--- a/c_tork/Draft_Pres1.pptx
+++ b/c_tork/Draft_Pres1.pptx
@@ -15,6 +15,7 @@
     <p:sldId id="284" r:id="rId12"/>
     <p:sldId id="287" r:id="rId13"/>
     <p:sldId id="280" r:id="rId14"/>
+    <p:sldId id="288" r:id="rId15"/>
   </p:sldIdLst>
   <p:sldSz cx="12192000" cy="6858000"/>
   <p:notesSz cx="6858000" cy="9144000"/>
@@ -3715,8 +3716,8 @@
         </p:nvSpPr>
         <p:spPr>
           <a:xfrm>
-            <a:off x="571501" y="611750"/>
-            <a:ext cx="1494320" cy="400110"/>
+            <a:off x="571501" y="868925"/>
+            <a:ext cx="4233531" cy="400110"/>
           </a:xfrm>
           <a:prstGeom prst="rect">
             <a:avLst/>
@@ -3731,8 +3732,142 @@
           <a:p>
             <a:r>
               <a:rPr lang="en-US" sz="2000" dirty="0"/>
-              <a:t>Conclusions</a:t>
-            </a:r>
+              <a:t>Conclusion -   “Mask Mandates Work”</a:t>
+            </a:r>
+          </a:p>
+        </p:txBody>
+      </p:sp>
+      <p:sp>
+        <p:nvSpPr>
+          <p:cNvPr id="9" name="TextBox 8">
+            <a:extLst>
+              <a:ext uri="{FF2B5EF4-FFF2-40B4-BE49-F238E27FC236}">
+                <a16:creationId xmlns:a16="http://schemas.microsoft.com/office/drawing/2014/main" id="{9F1CE81D-95DB-47BF-AD1C-7B123F4492BA}"/>
+              </a:ext>
+            </a:extLst>
+          </p:cNvPr>
+          <p:cNvSpPr txBox="1"/>
+          <p:nvPr/>
+        </p:nvSpPr>
+        <p:spPr>
+          <a:xfrm>
+            <a:off x="571501" y="1372448"/>
+            <a:ext cx="9534524" cy="5232202"/>
+          </a:xfrm>
+          <a:prstGeom prst="rect">
+            <a:avLst/>
+          </a:prstGeom>
+          <a:noFill/>
+        </p:spPr>
+        <p:txBody>
+          <a:bodyPr wrap="square" rtlCol="0">
+            <a:spAutoFit/>
+          </a:bodyPr>
+          <a:lstStyle/>
+          <a:p>
+            <a:pPr marL="342900" indent="-342900">
+              <a:spcBef>
+                <a:spcPts val="1200"/>
+              </a:spcBef>
+              <a:buFontTx/>
+              <a:buAutoNum type="arabicPeriod"/>
+            </a:pPr>
+            <a:r>
+              <a:rPr lang="en-US" sz="1400" dirty="0"/>
+              <a:t>There are a lot of variables involved that impact the number of positive Covid tests reported in a country.  Availability of tests, access to testing sites, public sentiment on testing and other factors can greatly affect how number are reported.   </a:t>
+            </a:r>
+          </a:p>
+          <a:p>
+            <a:pPr marL="342900" indent="-342900">
+              <a:spcBef>
+                <a:spcPts val="1200"/>
+              </a:spcBef>
+              <a:buAutoNum type="arabicPeriod"/>
+            </a:pPr>
+            <a:r>
+              <a:rPr lang="en-US" sz="1400" dirty="0"/>
+              <a:t>The analysis of US and Canada, and India and Japan, who all had some level of mask mandates,  did not provide evidence that mask mandates reduced the number of Covid cases. </a:t>
+            </a:r>
+          </a:p>
+          <a:p>
+            <a:pPr marL="342900" indent="-342900">
+              <a:spcBef>
+                <a:spcPts val="1200"/>
+              </a:spcBef>
+              <a:buAutoNum type="arabicPeriod"/>
+            </a:pPr>
+            <a:r>
+              <a:rPr lang="en-US" sz="1400" dirty="0"/>
+              <a:t>The comparison between Sweden, with no mask mandate, and Germany with a level 2  mask mandate throughout most of 2020 through 2022, however, showed strong evidence that the lack of mask mandates increased the number of Covid Cases that Sweden would have seen when compared to Germany.</a:t>
+            </a:r>
+          </a:p>
+          <a:p>
+            <a:pPr marL="342900" indent="-342900">
+              <a:spcBef>
+                <a:spcPts val="1200"/>
+              </a:spcBef>
+              <a:buAutoNum type="arabicPeriod" startAt="3"/>
+            </a:pPr>
+            <a:r>
+              <a:rPr lang="en-US" sz="1400" dirty="0"/>
+              <a:t>The evidence could lead to the idea that the level of Mask Mandates is not as important as the fact that some level of a mask mandate is put in place.    That could help explain why the analysis between counties that had some form of Covid Mask Mandate did not yield any significant material differences in positive Covid testing volumes.</a:t>
+            </a:r>
+          </a:p>
+          <a:p>
+            <a:pPr marL="342900" indent="-342900">
+              <a:spcBef>
+                <a:spcPts val="1200"/>
+              </a:spcBef>
+              <a:buFontTx/>
+              <a:buAutoNum type="arabicPeriod" startAt="3"/>
+            </a:pPr>
+            <a:r>
+              <a:rPr lang="en-US" sz="1400" dirty="0"/>
+              <a:t>After looking at all the evidence, the final conclusion is that </a:t>
+            </a:r>
+            <a:r>
+              <a:rPr lang="en-US" sz="1400" b="1" u="sng" dirty="0"/>
+              <a:t>“Mask Mandates Work.”    </a:t>
+            </a:r>
+            <a:r>
+              <a:rPr lang="en-US" sz="1400" dirty="0"/>
+              <a:t>Sweden was one of the few countries that did not issue a mask mandate in 2020 prior to Covid Wave 1 and they experienced 10X the cases that would have been expected when compared to Germany.  </a:t>
+            </a:r>
+          </a:p>
+          <a:p>
+            <a:pPr marL="342900" indent="-342900">
+              <a:spcBef>
+                <a:spcPts val="1200"/>
+              </a:spcBef>
+              <a:buFontTx/>
+              <a:buAutoNum type="arabicPeriod" startAt="3"/>
+            </a:pPr>
+            <a:r>
+              <a:rPr lang="en-US" sz="1400" dirty="0"/>
+              <a:t>Additionally, when Sweden decided to issue a Mask Manger during Covid Wave 1, their cases reported dropped by almost ½ the week after they issued the mandate.  </a:t>
+            </a:r>
+          </a:p>
+          <a:p>
+            <a:pPr marL="342900" indent="-342900">
+              <a:spcBef>
+                <a:spcPts val="1200"/>
+              </a:spcBef>
+              <a:buFontTx/>
+              <a:buAutoNum type="arabicPeriod" startAt="3"/>
+            </a:pPr>
+            <a:r>
+              <a:rPr lang="en-US" sz="1400" dirty="0"/>
+              <a:t>The higher volumes of cases during that would have been expected when compared to Germany, along with the sharp reduction in cases the week after issues their first Mask Mandate, suggests that had a mask mandate been issues by Sweden in mid 2020 they would have experienced significantly fewer, potentially 10X fewer positive Covid cases.</a:t>
+            </a:r>
+          </a:p>
+          <a:p>
+            <a:pPr marL="342900" indent="-342900">
+              <a:spcBef>
+                <a:spcPts val="1200"/>
+              </a:spcBef>
+              <a:buAutoNum type="arabicPeriod" startAt="3"/>
+            </a:pPr>
+            <a:endParaRPr lang="en-US" sz="1200" dirty="0"/>
           </a:p>
         </p:txBody>
       </p:sp>
@@ -3740,6 +3875,71 @@
     <p:extLst>
       <p:ext uri="{BB962C8B-B14F-4D97-AF65-F5344CB8AC3E}">
         <p14:creationId xmlns:p14="http://schemas.microsoft.com/office/powerpoint/2010/main" val="4032890881"/>
+      </p:ext>
+    </p:extLst>
+  </p:cSld>
+  <p:clrMapOvr>
+    <a:masterClrMapping/>
+  </p:clrMapOvr>
+</p:sld>
+</file>
+
+<file path=ppt/slides/slide11.xml><?xml version="1.0" encoding="utf-8"?>
+<p:sld xmlns:a="http://schemas.openxmlformats.org/drawingml/2006/main" xmlns:r="http://schemas.openxmlformats.org/officeDocument/2006/relationships" xmlns:p="http://schemas.openxmlformats.org/presentationml/2006/main">
+  <p:cSld>
+    <p:spTree>
+      <p:nvGrpSpPr>
+        <p:cNvPr id="1" name=""/>
+        <p:cNvGrpSpPr/>
+        <p:nvPr/>
+      </p:nvGrpSpPr>
+      <p:grpSpPr>
+        <a:xfrm>
+          <a:off x="0" y="0"/>
+          <a:ext cx="0" cy="0"/>
+          <a:chOff x="0" y="0"/>
+          <a:chExt cx="0" cy="0"/>
+        </a:xfrm>
+      </p:grpSpPr>
+      <p:sp>
+        <p:nvSpPr>
+          <p:cNvPr id="4" name="TextBox 3">
+            <a:extLst>
+              <a:ext uri="{FF2B5EF4-FFF2-40B4-BE49-F238E27FC236}">
+                <a16:creationId xmlns:a16="http://schemas.microsoft.com/office/drawing/2014/main" id="{C9D94F62-FD4D-4C6F-92D8-945858B38933}"/>
+              </a:ext>
+            </a:extLst>
+          </p:cNvPr>
+          <p:cNvSpPr txBox="1"/>
+          <p:nvPr/>
+        </p:nvSpPr>
+        <p:spPr>
+          <a:xfrm>
+            <a:off x="571501" y="868925"/>
+            <a:ext cx="1834156" cy="400110"/>
+          </a:xfrm>
+          <a:prstGeom prst="rect">
+            <a:avLst/>
+          </a:prstGeom>
+          <a:noFill/>
+        </p:spPr>
+        <p:txBody>
+          <a:bodyPr wrap="none" rtlCol="0">
+            <a:spAutoFit/>
+          </a:bodyPr>
+          <a:lstStyle/>
+          <a:p>
+            <a:r>
+              <a:rPr lang="en-US" sz="2000" dirty="0"/>
+              <a:t>Final Thoughts </a:t>
+            </a:r>
+          </a:p>
+        </p:txBody>
+      </p:sp>
+    </p:spTree>
+    <p:extLst>
+      <p:ext uri="{BB962C8B-B14F-4D97-AF65-F5344CB8AC3E}">
+        <p14:creationId xmlns:p14="http://schemas.microsoft.com/office/powerpoint/2010/main" val="1306032840"/>
       </p:ext>
     </p:extLst>
   </p:cSld>
@@ -6573,7 +6773,7 @@
             </a:pPr>
             <a:r>
               <a:rPr lang="en-US" sz="1100" dirty="0"/>
-              <a:t>Sweden’s first wave spike is also much higher in total number of cases reported when compared with Germany.  Sweden with a population of 1/8 of Germany peaked out at 35,000 cases per day compared to Germany’s peak of 45,000 per day and Germany’s population is 10X as dense as Sweden.  Therefore, adjusting for population size and density we can estimate the Sweden reported around over 20x the number of Covid cases that Germany did.</a:t>
+              <a:t>Sweden’s first wave spike is also much higher in total number of cases reported when compared with Germany.  Sweden with a population of 1/8 of Germany peaked out at 35,000 cases per day compared to Germany’s peak of 45,000 per day and Germany’s population is 10X as dense as Sweden.  Therefore, adjusting for population size and density we can estimate the Sweden reported around over 10x the number of Covid cases that Germany did.</a:t>
             </a:r>
           </a:p>
           <a:p>
@@ -6783,7 +6983,7 @@
         <p:spPr>
           <a:xfrm>
             <a:off x="453514" y="1620098"/>
-            <a:ext cx="5070986" cy="1169551"/>
+            <a:ext cx="5070986" cy="3477875"/>
           </a:xfrm>
           <a:prstGeom prst="rect">
             <a:avLst/>
@@ -6804,7 +7004,15 @@
             </a:pPr>
             <a:r>
               <a:rPr lang="en-US" sz="1200" dirty="0"/>
-              <a:t>The adjusted, 20x larger volume of Covid cases for Sweden at the end of 2020, with no masking policy, when compared to Germany provide strong evidence that not masking caused Sweden to have a much higher volume of Covid cases than they would have if they had masked. </a:t>
+              <a:t>The population adjusted 10X larger volume of cases for Sweden with no masking policy during the 1</a:t>
+            </a:r>
+            <a:r>
+              <a:rPr lang="en-US" sz="1200" baseline="30000" dirty="0"/>
+              <a:t>st</a:t>
+            </a:r>
+            <a:r>
+              <a:rPr lang="en-US" sz="1200" dirty="0"/>
+              <a:t> Wave of Covid at the end of 2020 as compared with the level 2 masking policy of Germany provides strong evidence that not masking caused Sweden to have a much higher volume of Covid cases than they would have if they had masked. </a:t>
             </a:r>
           </a:p>
           <a:p>
@@ -6816,8 +7024,37 @@
             </a:pPr>
             <a:r>
               <a:rPr lang="en-US" sz="1200" dirty="0"/>
-              <a:t>Adjusting for the</a:t>
-            </a:r>
+              <a:t>Further supporting this claim is that when Sweden did issue their level 1 mask mandate, their Covid numbers immediately dropped to about ½ the number they had the previous week.  </a:t>
+            </a:r>
+          </a:p>
+          <a:p>
+            <a:pPr marL="228600" indent="-228600">
+              <a:spcBef>
+                <a:spcPts val="1200"/>
+              </a:spcBef>
+              <a:buAutoNum type="arabicPeriod"/>
+            </a:pPr>
+            <a:r>
+              <a:rPr lang="en-US" sz="1200" dirty="0"/>
+              <a:t>The fact that Sweden focused it Covid testing on essential workers and Germany had a more open, broad testing plan, and still reported similar numbers of Covid cases with 8X the population and 10X the density,  further supports the assessment that masking decreased the number of Covid cases would have had without the Mask mandate.</a:t>
+            </a:r>
+          </a:p>
+          <a:p>
+            <a:pPr>
+              <a:spcBef>
+                <a:spcPts val="1200"/>
+              </a:spcBef>
+            </a:pPr>
+            <a:endParaRPr lang="en-US" sz="1200" dirty="0"/>
+          </a:p>
+          <a:p>
+            <a:pPr marL="228600" indent="-228600">
+              <a:spcBef>
+                <a:spcPts val="1200"/>
+              </a:spcBef>
+              <a:buAutoNum type="arabicPeriod"/>
+            </a:pPr>
+            <a:endParaRPr lang="en-US" sz="1200" dirty="0"/>
           </a:p>
         </p:txBody>
       </p:sp>
